--- a/2023-2024/Wyk/Wyklad3.pptx
+++ b/2023-2024/Wyk/Wyklad3.pptx
@@ -294,7 +294,7 @@
           <a:p>
             <a:fld id="{5113504E-0C99-2340-A5F6-DD6E1A87C372}" type="datetimeFigureOut">
               <a:rPr lang="pl-PL" smtClean="0"/>
-              <a:t>18.10.2023</a:t>
+              <a:t>27.10.2023</a:t>
             </a:fld>
             <a:endParaRPr lang="pl-PL"/>
           </a:p>
@@ -460,7 +460,7 @@
           <a:p>
             <a:fld id="{F78C933E-44E9-2D43-91B0-0D2BEEFA7EB9}" type="datetimeFigureOut">
               <a:rPr lang="pl-PL" smtClean="0"/>
-              <a:t>18.10.2023</a:t>
+              <a:t>27.10.2023</a:t>
             </a:fld>
             <a:endParaRPr lang="pl-PL"/>
           </a:p>
@@ -2905,7 +2905,7 @@
           <a:p>
             <a:fld id="{91017B01-0C30-B241-B19F-621BE4770608}" type="datetimeFigureOut">
               <a:rPr lang="pl-PL" smtClean="0"/>
-              <a:t>18.10.2023</a:t>
+              <a:t>27.10.2023</a:t>
             </a:fld>
             <a:endParaRPr lang="pl-PL"/>
           </a:p>
@@ -3074,7 +3074,7 @@
           <a:p>
             <a:fld id="{91017B01-0C30-B241-B19F-621BE4770608}" type="datetimeFigureOut">
               <a:rPr lang="pl-PL" smtClean="0"/>
-              <a:t>18.10.2023</a:t>
+              <a:t>27.10.2023</a:t>
             </a:fld>
             <a:endParaRPr lang="pl-PL"/>
           </a:p>
@@ -3253,7 +3253,7 @@
           <a:p>
             <a:fld id="{91017B01-0C30-B241-B19F-621BE4770608}" type="datetimeFigureOut">
               <a:rPr lang="pl-PL" smtClean="0"/>
-              <a:t>18.10.2023</a:t>
+              <a:t>27.10.2023</a:t>
             </a:fld>
             <a:endParaRPr lang="pl-PL"/>
           </a:p>
@@ -3422,7 +3422,7 @@
           <a:p>
             <a:fld id="{91017B01-0C30-B241-B19F-621BE4770608}" type="datetimeFigureOut">
               <a:rPr lang="pl-PL" smtClean="0"/>
-              <a:t>18.10.2023</a:t>
+              <a:t>27.10.2023</a:t>
             </a:fld>
             <a:endParaRPr lang="pl-PL"/>
           </a:p>
@@ -3668,7 +3668,7 @@
           <a:p>
             <a:fld id="{91017B01-0C30-B241-B19F-621BE4770608}" type="datetimeFigureOut">
               <a:rPr lang="pl-PL" smtClean="0"/>
-              <a:t>18.10.2023</a:t>
+              <a:t>27.10.2023</a:t>
             </a:fld>
             <a:endParaRPr lang="pl-PL"/>
           </a:p>
@@ -3954,7 +3954,7 @@
           <a:p>
             <a:fld id="{91017B01-0C30-B241-B19F-621BE4770608}" type="datetimeFigureOut">
               <a:rPr lang="pl-PL" smtClean="0"/>
-              <a:t>18.10.2023</a:t>
+              <a:t>27.10.2023</a:t>
             </a:fld>
             <a:endParaRPr lang="pl-PL"/>
           </a:p>
@@ -4374,7 +4374,7 @@
           <a:p>
             <a:fld id="{91017B01-0C30-B241-B19F-621BE4770608}" type="datetimeFigureOut">
               <a:rPr lang="pl-PL" smtClean="0"/>
-              <a:t>18.10.2023</a:t>
+              <a:t>27.10.2023</a:t>
             </a:fld>
             <a:endParaRPr lang="pl-PL"/>
           </a:p>
@@ -4492,7 +4492,7 @@
           <a:p>
             <a:fld id="{91017B01-0C30-B241-B19F-621BE4770608}" type="datetimeFigureOut">
               <a:rPr lang="pl-PL" smtClean="0"/>
-              <a:t>18.10.2023</a:t>
+              <a:t>27.10.2023</a:t>
             </a:fld>
             <a:endParaRPr lang="pl-PL"/>
           </a:p>
@@ -4588,7 +4588,7 @@
           <a:p>
             <a:fld id="{91017B01-0C30-B241-B19F-621BE4770608}" type="datetimeFigureOut">
               <a:rPr lang="pl-PL" smtClean="0"/>
-              <a:t>18.10.2023</a:t>
+              <a:t>27.10.2023</a:t>
             </a:fld>
             <a:endParaRPr lang="pl-PL"/>
           </a:p>
@@ -4865,7 +4865,7 @@
           <a:p>
             <a:fld id="{91017B01-0C30-B241-B19F-621BE4770608}" type="datetimeFigureOut">
               <a:rPr lang="pl-PL" smtClean="0"/>
-              <a:t>18.10.2023</a:t>
+              <a:t>27.10.2023</a:t>
             </a:fld>
             <a:endParaRPr lang="pl-PL"/>
           </a:p>
@@ -5121,7 +5121,7 @@
           <a:p>
             <a:fld id="{91017B01-0C30-B241-B19F-621BE4770608}" type="datetimeFigureOut">
               <a:rPr lang="pl-PL" smtClean="0"/>
-              <a:t>18.10.2023</a:t>
+              <a:t>27.10.2023</a:t>
             </a:fld>
             <a:endParaRPr lang="pl-PL"/>
           </a:p>
@@ -5333,7 +5333,7 @@
           <a:p>
             <a:fld id="{91017B01-0C30-B241-B19F-621BE4770608}" type="datetimeFigureOut">
               <a:rPr lang="pl-PL" smtClean="0"/>
-              <a:t>18.10.2023</a:t>
+              <a:t>27.10.2023</a:t>
             </a:fld>
             <a:endParaRPr lang="pl-PL"/>
           </a:p>
